--- a/MS_SQL/Assignments/Normalization_solution.pptx
+++ b/MS_SQL/Assignments/Normalization_solution.pptx
@@ -7,6 +7,8 @@
   <p:sldIdLst>
     <p:sldId id="257" r:id="rId2"/>
     <p:sldId id="258" r:id="rId3"/>
+    <p:sldId id="259" r:id="rId4"/>
+    <p:sldId id="260" r:id="rId5"/>
   </p:sldIdLst>
   <p:sldSz cx="12192000" cy="6858000"/>
   <p:notesSz cx="6858000" cy="9144000"/>
@@ -3504,7 +3506,7 @@
           <p:nvPr>
             <p:extLst>
               <p:ext uri="{D42A27DB-BD31-4B8C-83A1-F6EECF244321}">
-                <p14:modId xmlns:p14="http://schemas.microsoft.com/office/powerpoint/2010/main" val="3875919213"/>
+                <p14:modId xmlns:p14="http://schemas.microsoft.com/office/powerpoint/2010/main" val="419158484"/>
               </p:ext>
             </p:extLst>
           </p:nvPr>
@@ -3592,7 +3594,7 @@
                     <a:p>
                       <a:r>
                         <a:rPr lang="en-US" dirty="0" err="1"/>
-                        <a:t>ClientNo</a:t>
+                        <a:t>clientNo</a:t>
                       </a:r>
                       <a:endParaRPr lang="en-IN" dirty="0"/>
                     </a:p>
@@ -3606,7 +3608,7 @@
                     <a:p>
                       <a:r>
                         <a:rPr lang="en-US" dirty="0" err="1"/>
-                        <a:t>Cname</a:t>
+                        <a:t>cName</a:t>
                       </a:r>
                       <a:endParaRPr lang="en-IN" dirty="0"/>
                     </a:p>
@@ -3648,7 +3650,7 @@
                     <a:p>
                       <a:r>
                         <a:rPr lang="en-US" dirty="0" err="1"/>
-                        <a:t>rentstart</a:t>
+                        <a:t>rentStart</a:t>
                       </a:r>
                       <a:endParaRPr lang="en-IN" dirty="0"/>
                     </a:p>
@@ -4511,6 +4513,840 @@
     <p:extLst>
       <p:ext uri="{BB962C8B-B14F-4D97-AF65-F5344CB8AC3E}">
         <p14:creationId xmlns:p14="http://schemas.microsoft.com/office/powerpoint/2010/main" val="420036428"/>
+      </p:ext>
+    </p:extLst>
+  </p:cSld>
+  <p:clrMapOvr>
+    <a:masterClrMapping/>
+  </p:clrMapOvr>
+</p:sld>
+</file>
+
+<file path=ppt/slides/slide3.xml><?xml version="1.0" encoding="utf-8"?>
+<p:sld xmlns:a="http://schemas.openxmlformats.org/drawingml/2006/main" xmlns:r="http://schemas.openxmlformats.org/officeDocument/2006/relationships" xmlns:p="http://schemas.openxmlformats.org/presentationml/2006/main">
+  <p:cSld>
+    <p:spTree>
+      <p:nvGrpSpPr>
+        <p:cNvPr id="1" name=""/>
+        <p:cNvGrpSpPr/>
+        <p:nvPr/>
+      </p:nvGrpSpPr>
+      <p:grpSpPr>
+        <a:xfrm>
+          <a:off x="0" y="0"/>
+          <a:ext cx="0" cy="0"/>
+          <a:chOff x="0" y="0"/>
+          <a:chExt cx="0" cy="0"/>
+        </a:xfrm>
+      </p:grpSpPr>
+      <p:sp>
+        <p:nvSpPr>
+          <p:cNvPr id="2" name="TextBox 1">
+            <a:extLst>
+              <a:ext uri="{FF2B5EF4-FFF2-40B4-BE49-F238E27FC236}">
+                <a16:creationId xmlns:a16="http://schemas.microsoft.com/office/drawing/2014/main" id="{E76D223B-A2B2-9EDF-C457-D8AE85693785}"/>
+              </a:ext>
+            </a:extLst>
+          </p:cNvPr>
+          <p:cNvSpPr txBox="1"/>
+          <p:nvPr/>
+        </p:nvSpPr>
+        <p:spPr>
+          <a:xfrm>
+            <a:off x="511277" y="294968"/>
+            <a:ext cx="11012129" cy="3416320"/>
+          </a:xfrm>
+          <a:prstGeom prst="rect">
+            <a:avLst/>
+          </a:prstGeom>
+          <a:noFill/>
+        </p:spPr>
+        <p:txBody>
+          <a:bodyPr wrap="square" rtlCol="0">
+            <a:spAutoFit/>
+          </a:bodyPr>
+          <a:lstStyle/>
+          <a:p>
+            <a:pPr algn="l"/>
+            <a:r>
+              <a:rPr lang="en-IN" b="0" i="0" dirty="0">
+                <a:effectLst/>
+                <a:latin typeface="Arial" panose="020B0604020202020204" pitchFamily="34" charset="0"/>
+              </a:rPr>
+              <a:t>Second Normal Form (2NF)	</a:t>
+            </a:r>
+          </a:p>
+          <a:p>
+            <a:pPr algn="l"/>
+            <a:r>
+              <a:rPr lang="en-IN" b="1" dirty="0">
+                <a:latin typeface="Arial" panose="020B0604020202020204" pitchFamily="34" charset="0"/>
+              </a:rPr>
+              <a:t>Note(1NF  - &gt;  2NF)</a:t>
+            </a:r>
+            <a:endParaRPr lang="en-IN" b="1" i="0" dirty="0">
+              <a:effectLst/>
+              <a:latin typeface="Arial" panose="020B0604020202020204" pitchFamily="34" charset="0"/>
+            </a:endParaRPr>
+          </a:p>
+          <a:p>
+            <a:pPr algn="l"/>
+            <a:endParaRPr lang="en-IN" b="0" i="0" dirty="0">
+              <a:effectLst/>
+              <a:latin typeface="Arial" panose="020B0604020202020204" pitchFamily="34" charset="0"/>
+            </a:endParaRPr>
+          </a:p>
+          <a:p>
+            <a:pPr algn="l"/>
+            <a:r>
+              <a:rPr lang="en-US" dirty="0">
+                <a:latin typeface="Arial" panose="020B0604020202020204" pitchFamily="34" charset="0"/>
+              </a:rPr>
+              <a:t>-</a:t>
+            </a:r>
+            <a:r>
+              <a:rPr lang="en-US" b="0" i="0" dirty="0">
+                <a:effectLst/>
+                <a:latin typeface="Arial" panose="020B0604020202020204" pitchFamily="34" charset="0"/>
+              </a:rPr>
+              <a:t>If partial dependencies exist on the</a:t>
+            </a:r>
+            <a:r>
+              <a:rPr lang="en-US" dirty="0">
+                <a:latin typeface="Arial" panose="020B0604020202020204" pitchFamily="34" charset="0"/>
+              </a:rPr>
+              <a:t> </a:t>
+            </a:r>
+            <a:r>
+              <a:rPr lang="en-US" b="0" i="0" dirty="0">
+                <a:effectLst/>
+                <a:latin typeface="Arial" panose="020B0604020202020204" pitchFamily="34" charset="0"/>
+              </a:rPr>
+              <a:t>primary</a:t>
+            </a:r>
+            <a:r>
+              <a:rPr lang="en-US" dirty="0">
+                <a:latin typeface="Arial" panose="020B0604020202020204" pitchFamily="34" charset="0"/>
+              </a:rPr>
+              <a:t> </a:t>
+            </a:r>
+            <a:r>
+              <a:rPr lang="en-US" b="0" i="0" dirty="0">
+                <a:effectLst/>
+                <a:latin typeface="Arial" panose="020B0604020202020204" pitchFamily="34" charset="0"/>
+              </a:rPr>
+              <a:t>key remove</a:t>
+            </a:r>
+            <a:r>
+              <a:rPr lang="en-US" dirty="0">
+                <a:latin typeface="Arial" panose="020B0604020202020204" pitchFamily="34" charset="0"/>
+              </a:rPr>
+              <a:t> </a:t>
+            </a:r>
+            <a:r>
+              <a:rPr lang="en-US" b="0" i="0" dirty="0">
+                <a:effectLst/>
+                <a:latin typeface="Arial" panose="020B0604020202020204" pitchFamily="34" charset="0"/>
+              </a:rPr>
+              <a:t>them by</a:t>
+            </a:r>
+            <a:r>
+              <a:rPr lang="en-US" dirty="0">
+                <a:latin typeface="Arial" panose="020B0604020202020204" pitchFamily="34" charset="0"/>
+              </a:rPr>
+              <a:t> </a:t>
+            </a:r>
+            <a:r>
+              <a:rPr lang="en-US" b="0" i="0" dirty="0">
+                <a:effectLst/>
+                <a:latin typeface="Arial" panose="020B0604020202020204" pitchFamily="34" charset="0"/>
+              </a:rPr>
+              <a:t>placing</a:t>
+            </a:r>
+            <a:r>
+              <a:rPr lang="en-US" dirty="0">
+                <a:latin typeface="Arial" panose="020B0604020202020204" pitchFamily="34" charset="0"/>
+              </a:rPr>
+              <a:t> </a:t>
+            </a:r>
+            <a:r>
+              <a:rPr lang="en-US" b="0" i="0" dirty="0">
+                <a:effectLst/>
+                <a:latin typeface="Arial" panose="020B0604020202020204" pitchFamily="34" charset="0"/>
+              </a:rPr>
+              <a:t>them in</a:t>
+            </a:r>
+            <a:r>
+              <a:rPr lang="en-US" dirty="0">
+                <a:latin typeface="Arial" panose="020B0604020202020204" pitchFamily="34" charset="0"/>
+              </a:rPr>
+              <a:t> </a:t>
+            </a:r>
+            <a:r>
+              <a:rPr lang="en-US" b="0" i="0" dirty="0">
+                <a:effectLst/>
+                <a:latin typeface="Arial" panose="020B0604020202020204" pitchFamily="34" charset="0"/>
+              </a:rPr>
+              <a:t>a</a:t>
+            </a:r>
+            <a:r>
+              <a:rPr lang="en-US" dirty="0">
+                <a:latin typeface="Arial" panose="020B0604020202020204" pitchFamily="34" charset="0"/>
+              </a:rPr>
+              <a:t> </a:t>
+            </a:r>
+            <a:r>
+              <a:rPr lang="en-US" b="0" i="0" dirty="0">
+                <a:effectLst/>
+                <a:latin typeface="Arial" panose="020B0604020202020204" pitchFamily="34" charset="0"/>
+              </a:rPr>
+              <a:t>new</a:t>
+            </a:r>
+            <a:r>
+              <a:rPr lang="en-US" dirty="0">
+                <a:latin typeface="Arial" panose="020B0604020202020204" pitchFamily="34" charset="0"/>
+              </a:rPr>
+              <a:t> </a:t>
+            </a:r>
+            <a:r>
+              <a:rPr lang="en-US" b="0" i="0" dirty="0">
+                <a:effectLst/>
+                <a:latin typeface="Arial" panose="020B0604020202020204" pitchFamily="34" charset="0"/>
+              </a:rPr>
+              <a:t>relation with</a:t>
+            </a:r>
+            <a:r>
+              <a:rPr lang="en-US" dirty="0">
+                <a:latin typeface="Arial" panose="020B0604020202020204" pitchFamily="34" charset="0"/>
+              </a:rPr>
+              <a:t> </a:t>
+            </a:r>
+            <a:r>
+              <a:rPr lang="en-US" b="0" i="0" dirty="0">
+                <a:effectLst/>
+                <a:latin typeface="Arial" panose="020B0604020202020204" pitchFamily="34" charset="0"/>
+              </a:rPr>
+              <a:t>a copy</a:t>
+            </a:r>
+            <a:r>
+              <a:rPr lang="en-US" dirty="0">
+                <a:latin typeface="Arial" panose="020B0604020202020204" pitchFamily="34" charset="0"/>
+              </a:rPr>
+              <a:t> </a:t>
+            </a:r>
+            <a:r>
+              <a:rPr lang="en-US" b="0" i="0" dirty="0">
+                <a:effectLst/>
+                <a:latin typeface="Arial" panose="020B0604020202020204" pitchFamily="34" charset="0"/>
+              </a:rPr>
+              <a:t>of their values.</a:t>
+            </a:r>
+            <a:endParaRPr lang="en-IN" b="0" i="0" dirty="0">
+              <a:effectLst/>
+              <a:latin typeface="Arial" panose="020B0604020202020204" pitchFamily="34" charset="0"/>
+            </a:endParaRPr>
+          </a:p>
+          <a:p>
+            <a:pPr algn="l"/>
+            <a:endParaRPr lang="en-IN" b="0" i="0" dirty="0">
+              <a:effectLst/>
+              <a:latin typeface="Arial" panose="020B0604020202020204" pitchFamily="34" charset="0"/>
+            </a:endParaRPr>
+          </a:p>
+          <a:p>
+            <a:pPr marL="0" algn="l" rtl="0" eaLnBrk="1" fontAlgn="t" latinLnBrk="0" hangingPunct="1">
+              <a:spcBef>
+                <a:spcPts val="0"/>
+              </a:spcBef>
+              <a:spcAft>
+                <a:spcPts val="0"/>
+              </a:spcAft>
+            </a:pPr>
+            <a:r>
+              <a:rPr lang="en-IN" b="1" i="0" dirty="0">
+                <a:effectLst/>
+                <a:latin typeface="Arial" panose="020B0604020202020204" pitchFamily="34" charset="0"/>
+              </a:rPr>
+              <a:t>Client</a:t>
+            </a:r>
+            <a:r>
+              <a:rPr lang="en-IN" b="0" i="0" dirty="0">
+                <a:effectLst/>
+                <a:latin typeface="Arial" panose="020B0604020202020204" pitchFamily="34" charset="0"/>
+              </a:rPr>
+              <a:t> </a:t>
+            </a:r>
+            <a:r>
+              <a:rPr lang="en-IN" i="0" dirty="0">
+                <a:effectLst/>
+                <a:latin typeface="Arial" panose="020B0604020202020204" pitchFamily="34" charset="0"/>
+              </a:rPr>
+              <a:t>: (</a:t>
+            </a:r>
+            <a:r>
+              <a:rPr lang="en-US" sz="1800" i="0" u="none" strike="noStrike" kern="1200" dirty="0" err="1">
+                <a:effectLst/>
+                <a:latin typeface="Calibri" panose="020F0502020204030204" pitchFamily="34" charset="0"/>
+              </a:rPr>
+              <a:t>ClientNo</a:t>
+            </a:r>
+            <a:r>
+              <a:rPr lang="en-IN" dirty="0">
+                <a:latin typeface="Arial" panose="020B0604020202020204" pitchFamily="34" charset="0"/>
+              </a:rPr>
+              <a:t>, </a:t>
+            </a:r>
+            <a:r>
+              <a:rPr lang="en-US" sz="1800" i="0" u="none" strike="noStrike" kern="1200" dirty="0" err="1">
+                <a:effectLst/>
+                <a:latin typeface="Calibri" panose="020F0502020204030204" pitchFamily="34" charset="0"/>
+              </a:rPr>
+              <a:t>Cname</a:t>
+            </a:r>
+            <a:r>
+              <a:rPr lang="en-IN" i="0" dirty="0">
+                <a:effectLst/>
+                <a:latin typeface="Arial" panose="020B0604020202020204" pitchFamily="34" charset="0"/>
+              </a:rPr>
+              <a:t>)</a:t>
+            </a:r>
+          </a:p>
+          <a:p>
+            <a:pPr algn="l"/>
+            <a:endParaRPr lang="en-IN" b="0" i="0" dirty="0">
+              <a:effectLst/>
+              <a:latin typeface="Arial" panose="020B0604020202020204" pitchFamily="34" charset="0"/>
+            </a:endParaRPr>
+          </a:p>
+          <a:p>
+            <a:pPr algn="l"/>
+            <a:r>
+              <a:rPr lang="en-IN" b="1" i="0" dirty="0" err="1">
+                <a:effectLst/>
+                <a:latin typeface="Arial" panose="020B0604020202020204" pitchFamily="34" charset="0"/>
+              </a:rPr>
+              <a:t>PropertyRental</a:t>
+            </a:r>
+            <a:r>
+              <a:rPr lang="en-IN" dirty="0">
+                <a:latin typeface="Arial" panose="020B0604020202020204" pitchFamily="34" charset="0"/>
+              </a:rPr>
+              <a:t> : </a:t>
+            </a:r>
+            <a:r>
+              <a:rPr lang="en-IN" b="0" i="0" dirty="0">
+                <a:effectLst/>
+                <a:latin typeface="Arial" panose="020B0604020202020204" pitchFamily="34" charset="0"/>
+              </a:rPr>
+              <a:t>(</a:t>
+            </a:r>
+            <a:r>
+              <a:rPr lang="en-IN" b="0" i="0" dirty="0" err="1">
+                <a:effectLst/>
+                <a:latin typeface="Arial" panose="020B0604020202020204" pitchFamily="34" charset="0"/>
+              </a:rPr>
+              <a:t>clientNo</a:t>
+            </a:r>
+            <a:r>
+              <a:rPr lang="en-IN" b="0" i="0" dirty="0">
+                <a:effectLst/>
+                <a:latin typeface="Arial" panose="020B0604020202020204" pitchFamily="34" charset="0"/>
+              </a:rPr>
+              <a:t>, </a:t>
+            </a:r>
+            <a:r>
+              <a:rPr lang="en-US" dirty="0" err="1"/>
+              <a:t>PropertyNo</a:t>
+            </a:r>
+            <a:r>
+              <a:rPr lang="en-IN" b="0" i="0" dirty="0">
+                <a:effectLst/>
+                <a:latin typeface="Arial" panose="020B0604020202020204" pitchFamily="34" charset="0"/>
+              </a:rPr>
+              <a:t>, </a:t>
+            </a:r>
+            <a:r>
+              <a:rPr lang="en-US" dirty="0" err="1"/>
+              <a:t>rentStart</a:t>
+            </a:r>
+            <a:r>
+              <a:rPr lang="en-IN" b="0" i="0" dirty="0">
+                <a:effectLst/>
+                <a:latin typeface="Arial" panose="020B0604020202020204" pitchFamily="34" charset="0"/>
+              </a:rPr>
+              <a:t>, </a:t>
+            </a:r>
+            <a:r>
+              <a:rPr lang="en-US" dirty="0" err="1"/>
+              <a:t>rentFinish</a:t>
+            </a:r>
+            <a:r>
+              <a:rPr lang="en-IN" b="0" i="0" dirty="0">
+                <a:effectLst/>
+                <a:latin typeface="Arial" panose="020B0604020202020204" pitchFamily="34" charset="0"/>
+              </a:rPr>
+              <a:t>)</a:t>
+            </a:r>
+          </a:p>
+          <a:p>
+            <a:pPr algn="l"/>
+            <a:endParaRPr lang="en-IN" b="0" i="0" dirty="0">
+              <a:effectLst/>
+              <a:latin typeface="Arial" panose="020B0604020202020204" pitchFamily="34" charset="0"/>
+            </a:endParaRPr>
+          </a:p>
+          <a:p>
+            <a:pPr algn="l"/>
+            <a:r>
+              <a:rPr lang="en-IN" b="1" i="0" dirty="0">
+                <a:effectLst/>
+                <a:latin typeface="Arial" panose="020B0604020202020204" pitchFamily="34" charset="0"/>
+              </a:rPr>
+              <a:t>Owner</a:t>
+            </a:r>
+            <a:r>
+              <a:rPr lang="en-IN" b="0" i="0" dirty="0">
+                <a:effectLst/>
+                <a:latin typeface="Arial" panose="020B0604020202020204" pitchFamily="34" charset="0"/>
+              </a:rPr>
+              <a:t> : (</a:t>
+            </a:r>
+            <a:r>
+              <a:rPr lang="en-US" dirty="0" err="1"/>
+              <a:t>PropertyNo</a:t>
+            </a:r>
+            <a:r>
+              <a:rPr lang="en-IN" b="0" i="0" dirty="0">
+                <a:effectLst/>
+                <a:latin typeface="Arial" panose="020B0604020202020204" pitchFamily="34" charset="0"/>
+              </a:rPr>
+              <a:t>, </a:t>
+            </a:r>
+            <a:r>
+              <a:rPr lang="en-US" dirty="0" err="1"/>
+              <a:t>pAddress</a:t>
+            </a:r>
+            <a:r>
+              <a:rPr lang="en-IN" b="0" i="0" dirty="0">
+                <a:effectLst/>
+                <a:latin typeface="Arial" panose="020B0604020202020204" pitchFamily="34" charset="0"/>
+              </a:rPr>
+              <a:t>, rent, </a:t>
+            </a:r>
+            <a:r>
+              <a:rPr lang="en-IN" b="0" i="0" dirty="0" err="1">
+                <a:effectLst/>
+                <a:latin typeface="Arial" panose="020B0604020202020204" pitchFamily="34" charset="0"/>
+              </a:rPr>
+              <a:t>ownerNO</a:t>
+            </a:r>
+            <a:r>
+              <a:rPr lang="en-IN" b="0" i="0" dirty="0">
+                <a:effectLst/>
+                <a:latin typeface="Arial" panose="020B0604020202020204" pitchFamily="34" charset="0"/>
+              </a:rPr>
+              <a:t>, </a:t>
+            </a:r>
+            <a:r>
+              <a:rPr lang="en-IN" b="0" i="0" dirty="0" err="1">
+                <a:effectLst/>
+                <a:latin typeface="Arial" panose="020B0604020202020204" pitchFamily="34" charset="0"/>
+              </a:rPr>
+              <a:t>oNAME</a:t>
+            </a:r>
+            <a:r>
+              <a:rPr lang="en-IN" b="0" i="0" dirty="0">
+                <a:effectLst/>
+                <a:latin typeface="Arial" panose="020B0604020202020204" pitchFamily="34" charset="0"/>
+              </a:rPr>
+              <a:t>)</a:t>
+            </a:r>
+          </a:p>
+          <a:p>
+            <a:endParaRPr lang="en-IN" dirty="0"/>
+          </a:p>
+        </p:txBody>
+      </p:sp>
+    </p:spTree>
+    <p:extLst>
+      <p:ext uri="{BB962C8B-B14F-4D97-AF65-F5344CB8AC3E}">
+        <p14:creationId xmlns:p14="http://schemas.microsoft.com/office/powerpoint/2010/main" val="4175268893"/>
+      </p:ext>
+    </p:extLst>
+  </p:cSld>
+  <p:clrMapOvr>
+    <a:masterClrMapping/>
+  </p:clrMapOvr>
+</p:sld>
+</file>
+
+<file path=ppt/slides/slide4.xml><?xml version="1.0" encoding="utf-8"?>
+<p:sld xmlns:a="http://schemas.openxmlformats.org/drawingml/2006/main" xmlns:r="http://schemas.openxmlformats.org/officeDocument/2006/relationships" xmlns:p="http://schemas.openxmlformats.org/presentationml/2006/main">
+  <p:cSld>
+    <p:spTree>
+      <p:nvGrpSpPr>
+        <p:cNvPr id="1" name=""/>
+        <p:cNvGrpSpPr/>
+        <p:nvPr/>
+      </p:nvGrpSpPr>
+      <p:grpSpPr>
+        <a:xfrm>
+          <a:off x="0" y="0"/>
+          <a:ext cx="0" cy="0"/>
+          <a:chOff x="0" y="0"/>
+          <a:chExt cx="0" cy="0"/>
+        </a:xfrm>
+      </p:grpSpPr>
+      <p:sp>
+        <p:nvSpPr>
+          <p:cNvPr id="6" name="TextBox 5">
+            <a:extLst>
+              <a:ext uri="{FF2B5EF4-FFF2-40B4-BE49-F238E27FC236}">
+                <a16:creationId xmlns:a16="http://schemas.microsoft.com/office/drawing/2014/main" id="{C3A49D2F-4631-021A-0248-4DCC9BE19988}"/>
+              </a:ext>
+            </a:extLst>
+          </p:cNvPr>
+          <p:cNvSpPr txBox="1"/>
+          <p:nvPr/>
+        </p:nvSpPr>
+        <p:spPr>
+          <a:xfrm>
+            <a:off x="634180" y="481780"/>
+            <a:ext cx="10923639" cy="3693319"/>
+          </a:xfrm>
+          <a:prstGeom prst="rect">
+            <a:avLst/>
+          </a:prstGeom>
+          <a:noFill/>
+        </p:spPr>
+        <p:txBody>
+          <a:bodyPr wrap="square" rtlCol="0">
+            <a:spAutoFit/>
+          </a:bodyPr>
+          <a:lstStyle/>
+          <a:p>
+            <a:pPr algn="l"/>
+            <a:r>
+              <a:rPr lang="en-IN" dirty="0">
+                <a:latin typeface="Arial" panose="020B0604020202020204" pitchFamily="34" charset="0"/>
+              </a:rPr>
+              <a:t>Third</a:t>
+            </a:r>
+            <a:r>
+              <a:rPr lang="en-IN" b="0" i="0" dirty="0">
+                <a:effectLst/>
+                <a:latin typeface="Arial" panose="020B0604020202020204" pitchFamily="34" charset="0"/>
+              </a:rPr>
+              <a:t> Normal Form (3NF)	</a:t>
+            </a:r>
+          </a:p>
+          <a:p>
+            <a:pPr algn="l"/>
+            <a:r>
+              <a:rPr lang="en-IN" b="1" dirty="0">
+                <a:latin typeface="Arial" panose="020B0604020202020204" pitchFamily="34" charset="0"/>
+              </a:rPr>
+              <a:t>Note(2NF  - &gt;  3NF)</a:t>
+            </a:r>
+          </a:p>
+          <a:p>
+            <a:pPr algn="l"/>
+            <a:endParaRPr lang="en-US" b="0" i="0" dirty="0">
+              <a:effectLst/>
+              <a:latin typeface="Arial" panose="020B0604020202020204" pitchFamily="34" charset="0"/>
+            </a:endParaRPr>
+          </a:p>
+          <a:p>
+            <a:pPr algn="l"/>
+            <a:r>
+              <a:rPr lang="en-US" dirty="0">
+                <a:latin typeface="Arial" panose="020B0604020202020204" pitchFamily="34" charset="0"/>
+              </a:rPr>
+              <a:t>-</a:t>
+            </a:r>
+            <a:r>
+              <a:rPr lang="en-US" b="0" i="0" dirty="0">
+                <a:effectLst/>
+                <a:latin typeface="Arial" panose="020B0604020202020204" pitchFamily="34" charset="0"/>
+              </a:rPr>
+              <a:t>If transitive dependencies exist on the primary key, remove them by placing</a:t>
+            </a:r>
+            <a:r>
+              <a:rPr lang="en-US" dirty="0">
+                <a:latin typeface="Arial" panose="020B0604020202020204" pitchFamily="34" charset="0"/>
+              </a:rPr>
+              <a:t> </a:t>
+            </a:r>
+            <a:r>
+              <a:rPr lang="en-US" b="0" i="0" dirty="0">
+                <a:effectLst/>
+                <a:latin typeface="Arial" panose="020B0604020202020204" pitchFamily="34" charset="0"/>
+              </a:rPr>
+              <a:t>them in a new relation</a:t>
+            </a:r>
+          </a:p>
+          <a:p>
+            <a:pPr algn="l"/>
+            <a:endParaRPr lang="en-US" dirty="0">
+              <a:latin typeface="Arial" panose="020B0604020202020204" pitchFamily="34" charset="0"/>
+            </a:endParaRPr>
+          </a:p>
+          <a:p>
+            <a:pPr algn="l"/>
+            <a:r>
+              <a:rPr lang="en-IN" b="1" i="0" dirty="0">
+                <a:effectLst/>
+                <a:latin typeface="Arial" panose="020B0604020202020204" pitchFamily="34" charset="0"/>
+              </a:rPr>
+              <a:t>Client</a:t>
+            </a:r>
+            <a:r>
+              <a:rPr lang="en-IN" b="0" i="0" dirty="0">
+                <a:effectLst/>
+                <a:latin typeface="Arial" panose="020B0604020202020204" pitchFamily="34" charset="0"/>
+              </a:rPr>
+              <a:t> : (</a:t>
+            </a:r>
+            <a:r>
+              <a:rPr lang="en-IN" b="0" i="0" dirty="0" err="1">
+                <a:effectLst/>
+                <a:latin typeface="Arial" panose="020B0604020202020204" pitchFamily="34" charset="0"/>
+              </a:rPr>
+              <a:t>clientNo</a:t>
+            </a:r>
+            <a:r>
+              <a:rPr lang="en-IN" b="0" i="0" dirty="0">
+                <a:effectLst/>
+                <a:latin typeface="Arial" panose="020B0604020202020204" pitchFamily="34" charset="0"/>
+              </a:rPr>
+              <a:t>, </a:t>
+            </a:r>
+            <a:r>
+              <a:rPr lang="en-IN" b="0" i="0" dirty="0" err="1">
+                <a:effectLst/>
+                <a:latin typeface="Arial" panose="020B0604020202020204" pitchFamily="34" charset="0"/>
+              </a:rPr>
+              <a:t>cName</a:t>
+            </a:r>
+            <a:r>
+              <a:rPr lang="en-IN" b="0" i="0" dirty="0">
+                <a:effectLst/>
+                <a:latin typeface="Arial" panose="020B0604020202020204" pitchFamily="34" charset="0"/>
+              </a:rPr>
+              <a:t>) </a:t>
+            </a:r>
+          </a:p>
+          <a:p>
+            <a:pPr algn="l"/>
+            <a:endParaRPr lang="en-IN" b="0" i="0" dirty="0">
+              <a:effectLst/>
+              <a:latin typeface="Arial" panose="020B0604020202020204" pitchFamily="34" charset="0"/>
+            </a:endParaRPr>
+          </a:p>
+          <a:p>
+            <a:pPr algn="l"/>
+            <a:r>
+              <a:rPr lang="en-IN" b="1" i="0" dirty="0">
+                <a:effectLst/>
+                <a:latin typeface="Arial" panose="020B0604020202020204" pitchFamily="34" charset="0"/>
+              </a:rPr>
+              <a:t>Rental</a:t>
+            </a:r>
+            <a:r>
+              <a:rPr lang="en-IN" dirty="0">
+                <a:latin typeface="Arial" panose="020B0604020202020204" pitchFamily="34" charset="0"/>
+              </a:rPr>
+              <a:t> : </a:t>
+            </a:r>
+            <a:r>
+              <a:rPr lang="en-IN" b="0" i="0" dirty="0">
+                <a:effectLst/>
+                <a:latin typeface="Arial" panose="020B0604020202020204" pitchFamily="34" charset="0"/>
+              </a:rPr>
+              <a:t>(</a:t>
+            </a:r>
+            <a:r>
+              <a:rPr lang="en-IN" b="0" i="0" dirty="0" err="1">
+                <a:effectLst/>
+                <a:latin typeface="Arial" panose="020B0604020202020204" pitchFamily="34" charset="0"/>
+              </a:rPr>
+              <a:t>clientNo</a:t>
+            </a:r>
+            <a:r>
+              <a:rPr lang="en-IN" b="0" i="0" dirty="0">
+                <a:effectLst/>
+                <a:latin typeface="Arial" panose="020B0604020202020204" pitchFamily="34" charset="0"/>
+              </a:rPr>
+              <a:t>, </a:t>
+            </a:r>
+            <a:r>
+              <a:rPr lang="en-US" dirty="0" err="1"/>
+              <a:t>PropertyNo</a:t>
+            </a:r>
+            <a:r>
+              <a:rPr lang="en-IN" b="0" i="0" dirty="0">
+                <a:effectLst/>
+                <a:latin typeface="Arial" panose="020B0604020202020204" pitchFamily="34" charset="0"/>
+              </a:rPr>
+              <a:t>, </a:t>
+            </a:r>
+            <a:r>
+              <a:rPr lang="en-IN" b="0" i="0" dirty="0" err="1">
+                <a:effectLst/>
+                <a:latin typeface="Arial" panose="020B0604020202020204" pitchFamily="34" charset="0"/>
+              </a:rPr>
+              <a:t>rentStart</a:t>
+            </a:r>
+            <a:r>
+              <a:rPr lang="en-IN" b="0" i="0" dirty="0">
+                <a:effectLst/>
+                <a:latin typeface="Arial" panose="020B0604020202020204" pitchFamily="34" charset="0"/>
+              </a:rPr>
+              <a:t>, </a:t>
+            </a:r>
+            <a:r>
+              <a:rPr lang="en-IN" b="0" i="0" dirty="0" err="1">
+                <a:effectLst/>
+                <a:latin typeface="Arial" panose="020B0604020202020204" pitchFamily="34" charset="0"/>
+              </a:rPr>
+              <a:t>rentFinish</a:t>
+            </a:r>
+            <a:r>
+              <a:rPr lang="en-IN" b="0" i="0" dirty="0">
+                <a:effectLst/>
+                <a:latin typeface="Arial" panose="020B0604020202020204" pitchFamily="34" charset="0"/>
+              </a:rPr>
+              <a:t>)</a:t>
+            </a:r>
+          </a:p>
+          <a:p>
+            <a:pPr algn="l"/>
+            <a:endParaRPr lang="en-IN" b="0" i="0" dirty="0">
+              <a:effectLst/>
+              <a:latin typeface="Arial" panose="020B0604020202020204" pitchFamily="34" charset="0"/>
+            </a:endParaRPr>
+          </a:p>
+          <a:p>
+            <a:pPr algn="l"/>
+            <a:r>
+              <a:rPr lang="en-IN" b="1" dirty="0" err="1">
+                <a:latin typeface="Arial" panose="020B0604020202020204" pitchFamily="34" charset="0"/>
+              </a:rPr>
+              <a:t>Property</a:t>
+            </a:r>
+            <a:r>
+              <a:rPr lang="en-IN" b="1" i="0" dirty="0" err="1">
+                <a:effectLst/>
+                <a:latin typeface="Arial" panose="020B0604020202020204" pitchFamily="34" charset="0"/>
+              </a:rPr>
+              <a:t>ForRent</a:t>
+            </a:r>
+            <a:r>
+              <a:rPr lang="en-IN" b="0" i="0" dirty="0">
+                <a:effectLst/>
+                <a:latin typeface="Arial" panose="020B0604020202020204" pitchFamily="34" charset="0"/>
+              </a:rPr>
+              <a:t> : (</a:t>
+            </a:r>
+            <a:r>
+              <a:rPr lang="en-US" dirty="0" err="1"/>
+              <a:t>PropertyNo</a:t>
+            </a:r>
+            <a:r>
+              <a:rPr lang="en-IN" b="0" i="0" dirty="0">
+                <a:effectLst/>
+                <a:latin typeface="Arial" panose="020B0604020202020204" pitchFamily="34" charset="0"/>
+              </a:rPr>
+              <a:t>, </a:t>
+            </a:r>
+            <a:r>
+              <a:rPr lang="en-US" dirty="0" err="1"/>
+              <a:t>pAddress</a:t>
+            </a:r>
+            <a:r>
+              <a:rPr lang="en-IN" b="0" i="0" dirty="0">
+                <a:effectLst/>
+                <a:latin typeface="Arial" panose="020B0604020202020204" pitchFamily="34" charset="0"/>
+              </a:rPr>
+              <a:t>, rent, </a:t>
+            </a:r>
+            <a:r>
+              <a:rPr lang="en-IN" b="0" i="0" dirty="0" err="1">
+                <a:effectLst/>
+                <a:latin typeface="Arial" panose="020B0604020202020204" pitchFamily="34" charset="0"/>
+              </a:rPr>
+              <a:t>ownerNo</a:t>
+            </a:r>
+            <a:r>
+              <a:rPr lang="en-IN" b="0" i="0" dirty="0">
+                <a:effectLst/>
+                <a:latin typeface="Arial" panose="020B0604020202020204" pitchFamily="34" charset="0"/>
+              </a:rPr>
+              <a:t>*)</a:t>
+            </a:r>
+          </a:p>
+          <a:p>
+            <a:pPr algn="l"/>
+            <a:endParaRPr lang="en-IN" b="0" i="0" dirty="0">
+              <a:effectLst/>
+              <a:latin typeface="Arial" panose="020B0604020202020204" pitchFamily="34" charset="0"/>
+            </a:endParaRPr>
+          </a:p>
+          <a:p>
+            <a:pPr algn="l"/>
+            <a:r>
+              <a:rPr lang="en-IN" b="1" i="0" dirty="0">
+                <a:effectLst/>
+                <a:latin typeface="Arial" panose="020B0604020202020204" pitchFamily="34" charset="0"/>
+              </a:rPr>
+              <a:t>Owner</a:t>
+            </a:r>
+            <a:r>
+              <a:rPr lang="en-IN" b="0" i="0" dirty="0">
+                <a:effectLst/>
+                <a:latin typeface="Arial" panose="020B0604020202020204" pitchFamily="34" charset="0"/>
+              </a:rPr>
+              <a:t> : (</a:t>
+            </a:r>
+            <a:r>
+              <a:rPr lang="en-IN" b="0" i="0" dirty="0" err="1">
+                <a:effectLst/>
+                <a:latin typeface="Arial" panose="020B0604020202020204" pitchFamily="34" charset="0"/>
+              </a:rPr>
+              <a:t>ownerNo</a:t>
+            </a:r>
+            <a:r>
+              <a:rPr lang="en-IN" b="0" i="0" dirty="0">
+                <a:effectLst/>
+                <a:latin typeface="Arial" panose="020B0604020202020204" pitchFamily="34" charset="0"/>
+              </a:rPr>
+              <a:t>, </a:t>
+            </a:r>
+            <a:r>
+              <a:rPr lang="en-IN" b="0" i="0" dirty="0" err="1">
+                <a:effectLst/>
+                <a:latin typeface="Arial" panose="020B0604020202020204" pitchFamily="34" charset="0"/>
+              </a:rPr>
+              <a:t>oName</a:t>
+            </a:r>
+            <a:r>
+              <a:rPr lang="en-IN" b="0" i="0" dirty="0">
+                <a:effectLst/>
+                <a:latin typeface="Arial" panose="020B0604020202020204" pitchFamily="34" charset="0"/>
+              </a:rPr>
+              <a:t>)</a:t>
+            </a:r>
+          </a:p>
+          <a:p>
+            <a:pPr algn="l"/>
+            <a:endParaRPr lang="en-IN" dirty="0"/>
+          </a:p>
+        </p:txBody>
+      </p:sp>
+    </p:spTree>
+    <p:extLst>
+      <p:ext uri="{BB962C8B-B14F-4D97-AF65-F5344CB8AC3E}">
+        <p14:creationId xmlns:p14="http://schemas.microsoft.com/office/powerpoint/2010/main" val="618330483"/>
       </p:ext>
     </p:extLst>
   </p:cSld>
